--- a/우리페이지들.pptx
+++ b/우리페이지들.pptx
@@ -283,7 +283,7 @@
           <a:p>
             <a:fld id="{A57C3205-CEDD-4671-80FA-192DC87A52D2}" type="datetimeFigureOut">
               <a:rPr lang="ko-KR" altLang="en-US" smtClean="0"/>
-              <a:t>2023-11-15</a:t>
+              <a:t>2023-11-16</a:t>
             </a:fld>
             <a:endParaRPr lang="ko-KR" altLang="en-US"/>
           </a:p>
@@ -481,7 +481,7 @@
           <a:p>
             <a:fld id="{A57C3205-CEDD-4671-80FA-192DC87A52D2}" type="datetimeFigureOut">
               <a:rPr lang="ko-KR" altLang="en-US" smtClean="0"/>
-              <a:t>2023-11-15</a:t>
+              <a:t>2023-11-16</a:t>
             </a:fld>
             <a:endParaRPr lang="ko-KR" altLang="en-US"/>
           </a:p>
@@ -689,7 +689,7 @@
           <a:p>
             <a:fld id="{A57C3205-CEDD-4671-80FA-192DC87A52D2}" type="datetimeFigureOut">
               <a:rPr lang="ko-KR" altLang="en-US" smtClean="0"/>
-              <a:t>2023-11-15</a:t>
+              <a:t>2023-11-16</a:t>
             </a:fld>
             <a:endParaRPr lang="ko-KR" altLang="en-US"/>
           </a:p>
@@ -887,7 +887,7 @@
           <a:p>
             <a:fld id="{A57C3205-CEDD-4671-80FA-192DC87A52D2}" type="datetimeFigureOut">
               <a:rPr lang="ko-KR" altLang="en-US" smtClean="0"/>
-              <a:t>2023-11-15</a:t>
+              <a:t>2023-11-16</a:t>
             </a:fld>
             <a:endParaRPr lang="ko-KR" altLang="en-US"/>
           </a:p>
@@ -1162,7 +1162,7 @@
           <a:p>
             <a:fld id="{A57C3205-CEDD-4671-80FA-192DC87A52D2}" type="datetimeFigureOut">
               <a:rPr lang="ko-KR" altLang="en-US" smtClean="0"/>
-              <a:t>2023-11-15</a:t>
+              <a:t>2023-11-16</a:t>
             </a:fld>
             <a:endParaRPr lang="ko-KR" altLang="en-US"/>
           </a:p>
@@ -1427,7 +1427,7 @@
           <a:p>
             <a:fld id="{A57C3205-CEDD-4671-80FA-192DC87A52D2}" type="datetimeFigureOut">
               <a:rPr lang="ko-KR" altLang="en-US" smtClean="0"/>
-              <a:t>2023-11-15</a:t>
+              <a:t>2023-11-16</a:t>
             </a:fld>
             <a:endParaRPr lang="ko-KR" altLang="en-US"/>
           </a:p>
@@ -1839,7 +1839,7 @@
           <a:p>
             <a:fld id="{A57C3205-CEDD-4671-80FA-192DC87A52D2}" type="datetimeFigureOut">
               <a:rPr lang="ko-KR" altLang="en-US" smtClean="0"/>
-              <a:t>2023-11-15</a:t>
+              <a:t>2023-11-16</a:t>
             </a:fld>
             <a:endParaRPr lang="ko-KR" altLang="en-US"/>
           </a:p>
@@ -1980,7 +1980,7 @@
           <a:p>
             <a:fld id="{A57C3205-CEDD-4671-80FA-192DC87A52D2}" type="datetimeFigureOut">
               <a:rPr lang="ko-KR" altLang="en-US" smtClean="0"/>
-              <a:t>2023-11-15</a:t>
+              <a:t>2023-11-16</a:t>
             </a:fld>
             <a:endParaRPr lang="ko-KR" altLang="en-US"/>
           </a:p>
@@ -2093,7 +2093,7 @@
           <a:p>
             <a:fld id="{A57C3205-CEDD-4671-80FA-192DC87A52D2}" type="datetimeFigureOut">
               <a:rPr lang="ko-KR" altLang="en-US" smtClean="0"/>
-              <a:t>2023-11-15</a:t>
+              <a:t>2023-11-16</a:t>
             </a:fld>
             <a:endParaRPr lang="ko-KR" altLang="en-US"/>
           </a:p>
@@ -2404,7 +2404,7 @@
           <a:p>
             <a:fld id="{A57C3205-CEDD-4671-80FA-192DC87A52D2}" type="datetimeFigureOut">
               <a:rPr lang="ko-KR" altLang="en-US" smtClean="0"/>
-              <a:t>2023-11-15</a:t>
+              <a:t>2023-11-16</a:t>
             </a:fld>
             <a:endParaRPr lang="ko-KR" altLang="en-US"/>
           </a:p>
@@ -2692,7 +2692,7 @@
           <a:p>
             <a:fld id="{A57C3205-CEDD-4671-80FA-192DC87A52D2}" type="datetimeFigureOut">
               <a:rPr lang="ko-KR" altLang="en-US" smtClean="0"/>
-              <a:t>2023-11-15</a:t>
+              <a:t>2023-11-16</a:t>
             </a:fld>
             <a:endParaRPr lang="ko-KR" altLang="en-US"/>
           </a:p>
@@ -2933,7 +2933,7 @@
           <a:p>
             <a:fld id="{A57C3205-CEDD-4671-80FA-192DC87A52D2}" type="datetimeFigureOut">
               <a:rPr lang="ko-KR" altLang="en-US" smtClean="0"/>
-              <a:t>2023-11-15</a:t>
+              <a:t>2023-11-16</a:t>
             </a:fld>
             <a:endParaRPr lang="ko-KR" altLang="en-US"/>
           </a:p>
